--- a/presen/プレゼンテーション1 [自動保存済み].pptx
+++ b/presen/プレゼンテーション1 [自動保存済み].pptx
@@ -640,13 +640,18 @@
           <a:lstStyle/>
           <a:p>
             <a:r>
-              <a:rPr kumimoji="1" lang="ja-JP" altLang="en-US" dirty="0"/>
-              <a:t>手こずったのは衝突する時</a:t>
-            </a:r>
-            <a:r>
-              <a:rPr kumimoji="1" lang="ja-JP" altLang="en-US"/>
-              <a:t>複数回衝突判定が出てしまうところ</a:t>
-            </a:r>
+              <a:rPr kumimoji="1" lang="ja-JP" altLang="en-US" dirty="0" smtClean="0"/>
+              <a:t>背景差分や</a:t>
+            </a:r>
+            <a:r>
+              <a:rPr kumimoji="1" lang="en-US" altLang="ja-JP" dirty="0" err="1" smtClean="0"/>
+              <a:t>hsv</a:t>
+            </a:r>
+            <a:r>
+              <a:rPr kumimoji="1" lang="ja-JP" altLang="en-US" smtClean="0"/>
+              <a:t>で色の検出をした</a:t>
+            </a:r>
+            <a:endParaRPr kumimoji="1" lang="ja-JP" altLang="en-US" dirty="0"/>
           </a:p>
         </p:txBody>
       </p:sp>
@@ -7007,11 +7012,7 @@
             </a:r>
             <a:r>
               <a:rPr lang="ja-JP" altLang="en-US" sz="4000" dirty="0" smtClean="0"/>
-              <a:t>一回衝突する時、複数回衝突判定されてしまう</a:t>
-            </a:r>
-            <a:r>
-              <a:rPr lang="ja-JP" altLang="en-US" sz="4000" dirty="0" smtClean="0"/>
-              <a:t>。</a:t>
+              <a:t>一回衝突する時、複数回衝突判定されてしまう。</a:t>
             </a:r>
             <a:endParaRPr lang="en-US" altLang="ja-JP" sz="4000" dirty="0"/>
           </a:p>
@@ -7195,7 +7196,7 @@
           <p:cNvPr id="10" name="Isosceles Triangle 8">
             <a:extLst>
               <a:ext uri="{FF2B5EF4-FFF2-40B4-BE49-F238E27FC236}">
-                <a16:creationId xmlns:a16="http://schemas.microsoft.com/office/drawing/2014/main" xmlns="" id="{B5B9F7B6-0E4A-4A5F-BBBA-73496FAE596C}"/>
+                <a16:creationId xmlns="" xmlns:a16="http://schemas.microsoft.com/office/drawing/2014/main" id="{B5B9F7B6-0E4A-4A5F-BBBA-73496FAE596C}"/>
               </a:ext>
             </a:extLst>
           </p:cNvPr>
@@ -7248,7 +7249,7 @@
           <p:cNvPr id="12" name="Rectangle 11">
             <a:extLst>
               <a:ext uri="{FF2B5EF4-FFF2-40B4-BE49-F238E27FC236}">
-                <a16:creationId xmlns:a16="http://schemas.microsoft.com/office/drawing/2014/main" xmlns="" id="{B51D13AF-6D7E-42A4-BF57-BFDF66E1FE51}"/>
+                <a16:creationId xmlns="" xmlns:a16="http://schemas.microsoft.com/office/drawing/2014/main" id="{B51D13AF-6D7E-42A4-BF57-BFDF66E1FE51}"/>
               </a:ext>
             </a:extLst>
           </p:cNvPr>
